--- a/Presentations/DS-course-5-deployment.pptx
+++ b/Presentations/DS-course-5-deployment.pptx
@@ -5,12 +5,13 @@
     <p:sldMasterId id="2147483648" r:id="rId1"/>
   </p:sldMasterIdLst>
   <p:notesMasterIdLst>
-    <p:notesMasterId r:id="rId5"/>
+    <p:notesMasterId r:id="rId6"/>
   </p:notesMasterIdLst>
   <p:sldIdLst>
     <p:sldId id="257" r:id="rId2"/>
     <p:sldId id="258" r:id="rId3"/>
     <p:sldId id="276" r:id="rId4"/>
+    <p:sldId id="372" r:id="rId5"/>
   </p:sldIdLst>
   <p:sldSz cx="12192000" cy="6858000"/>
   <p:notesSz cx="6858000" cy="9144000"/>
@@ -199,7 +200,7 @@
           <a:p>
             <a:fld id="{16B0145C-99AC-4644-A36E-A4ECBC555925}" type="datetimeFigureOut">
               <a:rPr lang="en-US" smtClean="0"/>
-              <a:t>8/23/2022</a:t>
+              <a:t>8/24/2022</a:t>
             </a:fld>
             <a:endParaRPr lang="en-US"/>
           </a:p>
@@ -594,6 +595,14 @@
           <a:bodyPr/>
           <a:lstStyle/>
           <a:p>
+            <a:r>
+              <a:rPr lang="en-US" noProof="0" dirty="0"/>
+              <a:t>&lt;use this slide </a:t>
+            </a:r>
+            <a:r>
+              <a:rPr lang="en-US" noProof="0"/>
+              <a:t>for agenda&gt;</a:t>
+            </a:r>
             <a:endParaRPr lang="en-US" noProof="0" dirty="0"/>
           </a:p>
         </p:txBody>
@@ -625,6 +634,93 @@
     <p:extLst>
       <p:ext uri="{BB962C8B-B14F-4D97-AF65-F5344CB8AC3E}">
         <p14:creationId xmlns:p14="http://schemas.microsoft.com/office/powerpoint/2010/main" val="1996970317"/>
+      </p:ext>
+    </p:extLst>
+  </p:cSld>
+  <p:clrMapOvr>
+    <a:masterClrMapping/>
+  </p:clrMapOvr>
+</p:notes>
+</file>
+
+<file path=ppt/notesSlides/notesSlide3.xml><?xml version="1.0" encoding="utf-8"?>
+<p:notes xmlns:a="http://schemas.openxmlformats.org/drawingml/2006/main" xmlns:r="http://schemas.openxmlformats.org/officeDocument/2006/relationships" xmlns:p="http://schemas.openxmlformats.org/presentationml/2006/main">
+  <p:cSld>
+    <p:spTree>
+      <p:nvGrpSpPr>
+        <p:cNvPr id="1" name=""/>
+        <p:cNvGrpSpPr/>
+        <p:nvPr/>
+      </p:nvGrpSpPr>
+      <p:grpSpPr>
+        <a:xfrm>
+          <a:off x="0" y="0"/>
+          <a:ext cx="0" cy="0"/>
+          <a:chOff x="0" y="0"/>
+          <a:chExt cx="0" cy="0"/>
+        </a:xfrm>
+      </p:grpSpPr>
+      <p:sp>
+        <p:nvSpPr>
+          <p:cNvPr id="2" name="Slide Image Placeholder 1"/>
+          <p:cNvSpPr>
+            <a:spLocks noGrp="1" noRot="1" noChangeAspect="1"/>
+          </p:cNvSpPr>
+          <p:nvPr>
+            <p:ph type="sldImg"/>
+          </p:nvPr>
+        </p:nvSpPr>
+        <p:spPr/>
+      </p:sp>
+      <p:sp>
+        <p:nvSpPr>
+          <p:cNvPr id="3" name="Notes Placeholder 2"/>
+          <p:cNvSpPr>
+            <a:spLocks noGrp="1"/>
+          </p:cNvSpPr>
+          <p:nvPr>
+            <p:ph type="body" idx="1"/>
+          </p:nvPr>
+        </p:nvSpPr>
+        <p:spPr/>
+        <p:txBody>
+          <a:bodyPr/>
+          <a:lstStyle/>
+          <a:p>
+            <a:r>
+              <a:rPr lang="en-US" noProof="0" dirty="0"/>
+              <a:t>&lt;use this slide for breaks&gt;</a:t>
+            </a:r>
+          </a:p>
+        </p:txBody>
+      </p:sp>
+      <p:sp>
+        <p:nvSpPr>
+          <p:cNvPr id="4" name="Slide Number Placeholder 3"/>
+          <p:cNvSpPr>
+            <a:spLocks noGrp="1"/>
+          </p:cNvSpPr>
+          <p:nvPr>
+            <p:ph type="sldNum" sz="quarter" idx="5"/>
+          </p:nvPr>
+        </p:nvSpPr>
+        <p:spPr/>
+        <p:txBody>
+          <a:bodyPr/>
+          <a:lstStyle/>
+          <a:p>
+            <a:fld id="{63C35790-097B-4F4A-AC65-68906F1196B8}" type="slidenum">
+              <a:rPr lang="en-US" smtClean="0"/>
+              <a:t>4</a:t>
+            </a:fld>
+            <a:endParaRPr lang="en-US"/>
+          </a:p>
+        </p:txBody>
+      </p:sp>
+    </p:spTree>
+    <p:extLst>
+      <p:ext uri="{BB962C8B-B14F-4D97-AF65-F5344CB8AC3E}">
+        <p14:creationId xmlns:p14="http://schemas.microsoft.com/office/powerpoint/2010/main" val="1321608382"/>
       </p:ext>
     </p:extLst>
   </p:cSld>
@@ -781,7 +877,7 @@
           <a:p>
             <a:fld id="{973BC00D-352D-4681-8132-8CC5EB9D512D}" type="datetimeFigureOut">
               <a:rPr lang="en-US" smtClean="0"/>
-              <a:t>8/23/2022</a:t>
+              <a:t>8/24/2022</a:t>
             </a:fld>
             <a:endParaRPr lang="en-US"/>
           </a:p>
@@ -979,7 +1075,7 @@
           <a:p>
             <a:fld id="{973BC00D-352D-4681-8132-8CC5EB9D512D}" type="datetimeFigureOut">
               <a:rPr lang="en-US" smtClean="0"/>
-              <a:t>8/23/2022</a:t>
+              <a:t>8/24/2022</a:t>
             </a:fld>
             <a:endParaRPr lang="en-US"/>
           </a:p>
@@ -1187,7 +1283,7 @@
           <a:p>
             <a:fld id="{973BC00D-352D-4681-8132-8CC5EB9D512D}" type="datetimeFigureOut">
               <a:rPr lang="en-US" smtClean="0"/>
-              <a:t>8/23/2022</a:t>
+              <a:t>8/24/2022</a:t>
             </a:fld>
             <a:endParaRPr lang="en-US"/>
           </a:p>
@@ -1385,7 +1481,7 @@
           <a:p>
             <a:fld id="{973BC00D-352D-4681-8132-8CC5EB9D512D}" type="datetimeFigureOut">
               <a:rPr lang="en-US" smtClean="0"/>
-              <a:t>8/23/2022</a:t>
+              <a:t>8/24/2022</a:t>
             </a:fld>
             <a:endParaRPr lang="en-US"/>
           </a:p>
@@ -1660,7 +1756,7 @@
           <a:p>
             <a:fld id="{973BC00D-352D-4681-8132-8CC5EB9D512D}" type="datetimeFigureOut">
               <a:rPr lang="en-US" smtClean="0"/>
-              <a:t>8/23/2022</a:t>
+              <a:t>8/24/2022</a:t>
             </a:fld>
             <a:endParaRPr lang="en-US"/>
           </a:p>
@@ -1925,7 +2021,7 @@
           <a:p>
             <a:fld id="{973BC00D-352D-4681-8132-8CC5EB9D512D}" type="datetimeFigureOut">
               <a:rPr lang="en-US" smtClean="0"/>
-              <a:t>8/23/2022</a:t>
+              <a:t>8/24/2022</a:t>
             </a:fld>
             <a:endParaRPr lang="en-US"/>
           </a:p>
@@ -2337,7 +2433,7 @@
           <a:p>
             <a:fld id="{973BC00D-352D-4681-8132-8CC5EB9D512D}" type="datetimeFigureOut">
               <a:rPr lang="en-US" smtClean="0"/>
-              <a:t>8/23/2022</a:t>
+              <a:t>8/24/2022</a:t>
             </a:fld>
             <a:endParaRPr lang="en-US"/>
           </a:p>
@@ -2478,7 +2574,7 @@
           <a:p>
             <a:fld id="{973BC00D-352D-4681-8132-8CC5EB9D512D}" type="datetimeFigureOut">
               <a:rPr lang="en-US" smtClean="0"/>
-              <a:t>8/23/2022</a:t>
+              <a:t>8/24/2022</a:t>
             </a:fld>
             <a:endParaRPr lang="en-US"/>
           </a:p>
@@ -2591,7 +2687,7 @@
           <a:p>
             <a:fld id="{973BC00D-352D-4681-8132-8CC5EB9D512D}" type="datetimeFigureOut">
               <a:rPr lang="en-US" smtClean="0"/>
-              <a:t>8/23/2022</a:t>
+              <a:t>8/24/2022</a:t>
             </a:fld>
             <a:endParaRPr lang="en-US"/>
           </a:p>
@@ -2902,7 +2998,7 @@
           <a:p>
             <a:fld id="{973BC00D-352D-4681-8132-8CC5EB9D512D}" type="datetimeFigureOut">
               <a:rPr lang="en-US" smtClean="0"/>
-              <a:t>8/23/2022</a:t>
+              <a:t>8/24/2022</a:t>
             </a:fld>
             <a:endParaRPr lang="en-US"/>
           </a:p>
@@ -3190,7 +3286,7 @@
           <a:p>
             <a:fld id="{973BC00D-352D-4681-8132-8CC5EB9D512D}" type="datetimeFigureOut">
               <a:rPr lang="en-US" smtClean="0"/>
-              <a:t>8/23/2022</a:t>
+              <a:t>8/24/2022</a:t>
             </a:fld>
             <a:endParaRPr lang="en-US"/>
           </a:p>
@@ -3431,7 +3527,7 @@
           <a:p>
             <a:fld id="{973BC00D-352D-4681-8132-8CC5EB9D512D}" type="datetimeFigureOut">
               <a:rPr lang="en-US" smtClean="0"/>
-              <a:t>8/23/2022</a:t>
+              <a:t>8/24/2022</a:t>
             </a:fld>
             <a:endParaRPr lang="en-US"/>
           </a:p>
@@ -6113,6 +6209,66 @@
     <p:extLst>
       <p:ext uri="{BB962C8B-B14F-4D97-AF65-F5344CB8AC3E}">
         <p14:creationId xmlns:p14="http://schemas.microsoft.com/office/powerpoint/2010/main" val="1456164604"/>
+      </p:ext>
+    </p:extLst>
+  </p:cSld>
+  <p:clrMapOvr>
+    <a:masterClrMapping/>
+  </p:clrMapOvr>
+</p:sld>
+</file>
+
+<file path=ppt/slides/slide4.xml><?xml version="1.0" encoding="utf-8"?>
+<p:sld xmlns:a="http://schemas.openxmlformats.org/drawingml/2006/main" xmlns:r="http://schemas.openxmlformats.org/officeDocument/2006/relationships" xmlns:p="http://schemas.openxmlformats.org/presentationml/2006/main">
+  <p:cSld>
+    <p:spTree>
+      <p:nvGrpSpPr>
+        <p:cNvPr id="1" name=""/>
+        <p:cNvGrpSpPr/>
+        <p:nvPr/>
+      </p:nvGrpSpPr>
+      <p:grpSpPr>
+        <a:xfrm>
+          <a:off x="0" y="0"/>
+          <a:ext cx="0" cy="0"/>
+          <a:chOff x="0" y="0"/>
+          <a:chExt cx="0" cy="0"/>
+        </a:xfrm>
+      </p:grpSpPr>
+      <p:pic>
+        <p:nvPicPr>
+          <p:cNvPr id="2" name="Picture 1">
+            <a:extLst>
+              <a:ext uri="{FF2B5EF4-FFF2-40B4-BE49-F238E27FC236}">
+                <a16:creationId xmlns:a16="http://schemas.microsoft.com/office/drawing/2014/main" id="{3576221B-5445-C99C-807A-E57066650809}"/>
+              </a:ext>
+            </a:extLst>
+          </p:cNvPr>
+          <p:cNvPicPr>
+            <a:picLocks noChangeAspect="1"/>
+          </p:cNvPicPr>
+          <p:nvPr/>
+        </p:nvPicPr>
+        <p:blipFill>
+          <a:blip r:embed="rId3"/>
+          <a:stretch>
+            <a:fillRect/>
+          </a:stretch>
+        </p:blipFill>
+        <p:spPr>
+          <a:xfrm>
+            <a:off x="2905648" y="1305857"/>
+            <a:ext cx="6380704" cy="4246286"/>
+          </a:xfrm>
+          <a:prstGeom prst="rect">
+            <a:avLst/>
+          </a:prstGeom>
+        </p:spPr>
+      </p:pic>
+    </p:spTree>
+    <p:extLst>
+      <p:ext uri="{BB962C8B-B14F-4D97-AF65-F5344CB8AC3E}">
+        <p14:creationId xmlns:p14="http://schemas.microsoft.com/office/powerpoint/2010/main" val="2185139754"/>
       </p:ext>
     </p:extLst>
   </p:cSld>
